--- a/files/Modul_2_Lineære_modeller.pptx
+++ b/files/Modul_2_Lineære_modeller.pptx
@@ -11958,7 +11958,7 @@
             </a:pPr>
             <a:r>
               <a:rPr lang="en" sz="3250"/>
-              <a:t>I praksis kigger vi ofte på konfidensintervallet for middelværdien. Ifølge middelværdisætningen bliver middelværdien af alle variable normalfordelt (fedt! brugbar matematik). </a:t>
+              <a:t>I praksis kigger vi ofte på konfidensintervallet for middelværdien. Ifølge Central limit theorem bliver estimatoren normalfordelt, hvis data er stor nok (fedt! brugbar matematik). </a:t>
             </a:r>
             <a:endParaRPr sz="3250"/>
           </a:p>
